--- a/lectures/CC-05-Architecture.pptx
+++ b/lectures/CC-05-Architecture.pptx
@@ -205,7 +205,7 @@
           <a:p>
             <a:fld id="{1C74C8C0-0C1E-D447-A6DA-5BF9E732D1EF}" type="datetimeFigureOut">
               <a:rPr lang="en-US" smtClean="0"/>
-              <a:t>2/25/23</a:t>
+              <a:t>3/3/23</a:t>
             </a:fld>
             <a:endParaRPr lang="en-US"/>
           </a:p>
@@ -703,7 +703,7 @@
           <a:p>
             <a:fld id="{D5D8E255-8371-B349-B2F5-F8C6C9FF431B}" type="datetimeFigureOut">
               <a:rPr lang="en-US" smtClean="0"/>
-              <a:t>2/25/23</a:t>
+              <a:t>3/3/23</a:t>
             </a:fld>
             <a:endParaRPr lang="en-US"/>
           </a:p>
@@ -901,7 +901,7 @@
           <a:p>
             <a:fld id="{D5D8E255-8371-B349-B2F5-F8C6C9FF431B}" type="datetimeFigureOut">
               <a:rPr lang="en-US" smtClean="0"/>
-              <a:t>2/25/23</a:t>
+              <a:t>3/3/23</a:t>
             </a:fld>
             <a:endParaRPr lang="en-US"/>
           </a:p>
@@ -1109,7 +1109,7 @@
           <a:p>
             <a:fld id="{D5D8E255-8371-B349-B2F5-F8C6C9FF431B}" type="datetimeFigureOut">
               <a:rPr lang="en-US" smtClean="0"/>
-              <a:t>2/25/23</a:t>
+              <a:t>3/3/23</a:t>
             </a:fld>
             <a:endParaRPr lang="en-US"/>
           </a:p>
@@ -1307,7 +1307,7 @@
           <a:p>
             <a:fld id="{D5D8E255-8371-B349-B2F5-F8C6C9FF431B}" type="datetimeFigureOut">
               <a:rPr lang="en-US" smtClean="0"/>
-              <a:t>2/25/23</a:t>
+              <a:t>3/3/23</a:t>
             </a:fld>
             <a:endParaRPr lang="en-US"/>
           </a:p>
@@ -1582,7 +1582,7 @@
           <a:p>
             <a:fld id="{D5D8E255-8371-B349-B2F5-F8C6C9FF431B}" type="datetimeFigureOut">
               <a:rPr lang="en-US" smtClean="0"/>
-              <a:t>2/25/23</a:t>
+              <a:t>3/3/23</a:t>
             </a:fld>
             <a:endParaRPr lang="en-US"/>
           </a:p>
@@ -1847,7 +1847,7 @@
           <a:p>
             <a:fld id="{D5D8E255-8371-B349-B2F5-F8C6C9FF431B}" type="datetimeFigureOut">
               <a:rPr lang="en-US" smtClean="0"/>
-              <a:t>2/25/23</a:t>
+              <a:t>3/3/23</a:t>
             </a:fld>
             <a:endParaRPr lang="en-US"/>
           </a:p>
@@ -2259,7 +2259,7 @@
           <a:p>
             <a:fld id="{D5D8E255-8371-B349-B2F5-F8C6C9FF431B}" type="datetimeFigureOut">
               <a:rPr lang="en-US" smtClean="0"/>
-              <a:t>2/25/23</a:t>
+              <a:t>3/3/23</a:t>
             </a:fld>
             <a:endParaRPr lang="en-US"/>
           </a:p>
@@ -2400,7 +2400,7 @@
           <a:p>
             <a:fld id="{D5D8E255-8371-B349-B2F5-F8C6C9FF431B}" type="datetimeFigureOut">
               <a:rPr lang="en-US" smtClean="0"/>
-              <a:t>2/25/23</a:t>
+              <a:t>3/3/23</a:t>
             </a:fld>
             <a:endParaRPr lang="en-US"/>
           </a:p>
@@ -2513,7 +2513,7 @@
           <a:p>
             <a:fld id="{D5D8E255-8371-B349-B2F5-F8C6C9FF431B}" type="datetimeFigureOut">
               <a:rPr lang="en-US" smtClean="0"/>
-              <a:t>2/25/23</a:t>
+              <a:t>3/3/23</a:t>
             </a:fld>
             <a:endParaRPr lang="en-US"/>
           </a:p>
@@ -2824,7 +2824,7 @@
           <a:p>
             <a:fld id="{D5D8E255-8371-B349-B2F5-F8C6C9FF431B}" type="datetimeFigureOut">
               <a:rPr lang="en-US" smtClean="0"/>
-              <a:t>2/25/23</a:t>
+              <a:t>3/3/23</a:t>
             </a:fld>
             <a:endParaRPr lang="en-US"/>
           </a:p>
@@ -3112,7 +3112,7 @@
           <a:p>
             <a:fld id="{D5D8E255-8371-B349-B2F5-F8C6C9FF431B}" type="datetimeFigureOut">
               <a:rPr lang="en-US" smtClean="0"/>
-              <a:t>2/25/23</a:t>
+              <a:t>3/3/23</a:t>
             </a:fld>
             <a:endParaRPr lang="en-US"/>
           </a:p>
@@ -3353,7 +3353,7 @@
           <a:p>
             <a:fld id="{D5D8E255-8371-B349-B2F5-F8C6C9FF431B}" type="datetimeFigureOut">
               <a:rPr lang="en-US" smtClean="0"/>
-              <a:t>2/25/23</a:t>
+              <a:t>3/3/23</a:t>
             </a:fld>
             <a:endParaRPr lang="en-US"/>
           </a:p>
@@ -3816,7 +3816,9 @@
         </p:nvSpPr>
         <p:spPr/>
         <p:txBody>
-          <a:bodyPr/>
+          <a:bodyPr>
+            <a:normAutofit lnSpcReduction="10000"/>
+          </a:bodyPr>
           <a:lstStyle/>
           <a:p>
             <a:r>
@@ -3829,6 +3831,19 @@
               <a:rPr lang="en-US" dirty="0"/>
               <a:t>www.cc4e.com</a:t>
             </a:r>
+          </a:p>
+          <a:p>
+            <a:r>
+              <a:rPr lang="en-US" dirty="0"/>
+              <a:t>code.cc4e.com (sample code)</a:t>
+            </a:r>
+          </a:p>
+          <a:p>
+            <a:r>
+              <a:rPr lang="en-US"/>
+              <a:t>online.dr-chuck.com</a:t>
+            </a:r>
+            <a:endParaRPr lang="en-US" dirty="0"/>
           </a:p>
         </p:txBody>
       </p:sp>
